--- a/PrésentationV5.pptx
+++ b/PrésentationV5.pptx
@@ -3394,7 +3394,7 @@
             <a:fld id="{271E6CEC-BFA6-43A1-8D69-C9F3A705D8E0}" type="datetimeFigureOut">
               <a:rPr lang="fr-FR" smtClean="0"/>
               <a:pPr/>
-              <a:t>13/06/2017</a:t>
+              <a:t>14/06/2017</a:t>
             </a:fld>
             <a:endParaRPr lang="fr-FR"/>
           </a:p>
@@ -8273,7 +8273,7 @@
             <a:fld id="{9B5CF2D2-AC72-4CE8-9DCA-0E04498F38E2}" type="datetimeFigureOut">
               <a:rPr lang="fr-FR" smtClean="0"/>
               <a:pPr/>
-              <a:t>13/06/2017</a:t>
+              <a:t>14/06/2017</a:t>
             </a:fld>
             <a:endParaRPr lang="fr-FR"/>
           </a:p>
@@ -8579,7 +8579,7 @@
               <a:pPr>
                 <a:defRPr/>
               </a:pPr>
-              <a:t>13/06/2017</a:t>
+              <a:t>14/06/2017</a:t>
             </a:fld>
             <a:endParaRPr lang="en-GB"/>
           </a:p>
@@ -8795,7 +8795,7 @@
               <a:pPr>
                 <a:defRPr/>
               </a:pPr>
-              <a:t>13/06/2017</a:t>
+              <a:t>14/06/2017</a:t>
             </a:fld>
             <a:endParaRPr lang="en-GB"/>
           </a:p>
@@ -8940,7 +8940,7 @@
             <a:fld id="{9B5CF2D2-AC72-4CE8-9DCA-0E04498F38E2}" type="datetimeFigureOut">
               <a:rPr lang="fr-FR" smtClean="0"/>
               <a:pPr/>
-              <a:t>13/06/2017</a:t>
+              <a:t>14/06/2017</a:t>
             </a:fld>
             <a:endParaRPr lang="fr-FR"/>
           </a:p>
@@ -12446,7 +12446,7 @@
         </p:nvSpPr>
         <p:spPr>
           <a:xfrm>
-            <a:off x="467544" y="4149080"/>
+            <a:off x="3635896" y="3645024"/>
             <a:ext cx="1260666" cy="646331"/>
           </a:xfrm>
           <a:prstGeom prst="rect">
@@ -12482,63 +12482,59 @@
         </p:nvSpPr>
         <p:spPr>
           <a:xfrm>
-            <a:off x="1547664" y="4005064"/>
-            <a:ext cx="2979790" cy="1200329"/>
+            <a:off x="3491880" y="4365104"/>
+            <a:ext cx="1455527" cy="1077218"/>
           </a:xfrm>
           <a:prstGeom prst="rect">
             <a:avLst/>
           </a:prstGeom>
-          <a:noFill/>
         </p:spPr>
+        <p:style>
+          <a:lnRef idx="2">
+            <a:schemeClr val="dk1"/>
+          </a:lnRef>
+          <a:fillRef idx="1">
+            <a:schemeClr val="lt1"/>
+          </a:fillRef>
+          <a:effectRef idx="0">
+            <a:schemeClr val="dk1"/>
+          </a:effectRef>
+          <a:fontRef idx="minor">
+            <a:schemeClr val="dk1"/>
+          </a:fontRef>
+        </p:style>
         <p:txBody>
           <a:bodyPr wrap="none" rtlCol="0">
             <a:spAutoFit/>
           </a:bodyPr>
           <a:lstStyle/>
           <a:p>
-            <a:r>
-              <a:rPr lang="fr-FR" dirty="0" smtClean="0"/>
-              <a:t>- Nettoyage</a:t>
-            </a:r>
-          </a:p>
-          <a:p>
-            <a:r>
-              <a:rPr lang="fr-FR" dirty="0" smtClean="0"/>
-              <a:t>- </a:t>
-            </a:r>
-            <a:r>
-              <a:rPr lang="fr-FR" dirty="0" smtClean="0"/>
+            <a:pPr algn="ctr"/>
+            <a:r>
+              <a:rPr lang="fr-FR" sz="1600" dirty="0" smtClean="0"/>
+              <a:t>Nettoyage</a:t>
+            </a:r>
+          </a:p>
+          <a:p>
+            <a:pPr algn="ctr"/>
+            <a:r>
+              <a:rPr lang="fr-FR" sz="1600" dirty="0" smtClean="0"/>
               <a:t>Format</a:t>
             </a:r>
           </a:p>
           <a:p>
-            <a:pPr>
-              <a:buFontTx/>
-              <a:buChar char="-"/>
-            </a:pPr>
-            <a:r>
-              <a:rPr lang="fr-FR" dirty="0" smtClean="0"/>
-              <a:t> </a:t>
-            </a:r>
-            <a:r>
-              <a:rPr lang="fr-FR" dirty="0" smtClean="0"/>
+            <a:pPr algn="ctr"/>
+            <a:r>
+              <a:rPr lang="fr-FR" sz="1600" dirty="0" smtClean="0"/>
               <a:t>Encodage</a:t>
             </a:r>
           </a:p>
           <a:p>
-            <a:pPr>
-              <a:buFontTx/>
-              <a:buChar char="-"/>
-            </a:pPr>
-            <a:r>
-              <a:rPr lang="fr-FR" dirty="0" smtClean="0"/>
-              <a:t> </a:t>
-            </a:r>
-            <a:r>
-              <a:rPr lang="fr-FR" dirty="0" smtClean="0"/>
-              <a:t>Enrichissement des données</a:t>
-            </a:r>
-            <a:endParaRPr lang="fr-FR" dirty="0" smtClean="0"/>
+            <a:pPr algn="ctr"/>
+            <a:r>
+              <a:rPr lang="fr-FR" sz="1600" dirty="0" smtClean="0"/>
+              <a:t>Enrichissement</a:t>
+            </a:r>
           </a:p>
         </p:txBody>
       </p:sp>
@@ -12600,7 +12596,7 @@
         </p:nvSpPr>
         <p:spPr>
           <a:xfrm>
-            <a:off x="7092280" y="2636912"/>
+            <a:off x="6516216" y="1772816"/>
             <a:ext cx="1915268" cy="369332"/>
           </a:xfrm>
           <a:prstGeom prst="rect">
@@ -12629,7 +12625,7 @@
         </p:nvGrpSpPr>
         <p:grpSpPr>
           <a:xfrm>
-            <a:off x="2699792" y="1700808"/>
+            <a:off x="1043608" y="2132856"/>
             <a:ext cx="739590" cy="973758"/>
             <a:chOff x="595207" y="4088339"/>
             <a:chExt cx="1171638" cy="1405806"/>
@@ -12787,7 +12783,7 @@
         </p:blipFill>
         <p:spPr>
           <a:xfrm>
-            <a:off x="1259632" y="2636912"/>
+            <a:off x="-1404156" y="5013176"/>
             <a:ext cx="2808312" cy="936104"/>
           </a:xfrm>
           <a:prstGeom prst="rect">
@@ -12806,7 +12802,7 @@
         </p:nvSpPr>
         <p:spPr>
           <a:xfrm>
-            <a:off x="395536" y="2924944"/>
+            <a:off x="2051720" y="3645024"/>
             <a:ext cx="1425390" cy="646331"/>
           </a:xfrm>
           <a:prstGeom prst="rect">
@@ -12824,7 +12820,6 @@
               <a:rPr lang="fr-FR" dirty="0" smtClean="0"/>
               <a:t>Ingestion</a:t>
             </a:r>
-            <a:endParaRPr lang="fr-FR" dirty="0" smtClean="0"/>
           </a:p>
           <a:p>
             <a:r>
@@ -12863,7 +12858,7 @@
         </p:blipFill>
         <p:spPr>
           <a:xfrm>
-            <a:off x="2051720" y="1916832"/>
+            <a:off x="395536" y="2348880"/>
             <a:ext cx="678525" cy="678525"/>
           </a:xfrm>
           <a:prstGeom prst="rect">
@@ -12888,7 +12883,7 @@
         </p:blipFill>
         <p:spPr bwMode="auto">
           <a:xfrm>
-            <a:off x="5004048" y="1988840"/>
+            <a:off x="6516216" y="2132856"/>
             <a:ext cx="2160240" cy="1383931"/>
           </a:xfrm>
           <a:prstGeom prst="rect">
@@ -12905,7 +12900,7 @@
         </p:nvSpPr>
         <p:spPr>
           <a:xfrm>
-            <a:off x="2987824" y="6673334"/>
+            <a:off x="3059832" y="5805264"/>
             <a:ext cx="4598759" cy="369332"/>
           </a:xfrm>
           <a:prstGeom prst="rect">
@@ -12924,6 +12919,118 @@
               <a:t>Attribution d’un candidat par nuance politique </a:t>
             </a:r>
             <a:endParaRPr lang="fr-FR" dirty="0"/>
+          </a:p>
+        </p:txBody>
+      </p:sp>
+      <p:sp>
+        <p:nvSpPr>
+          <p:cNvPr id="18" name="Rectangle 17"/>
+          <p:cNvSpPr/>
+          <p:nvPr/>
+        </p:nvSpPr>
+        <p:spPr>
+          <a:xfrm>
+            <a:off x="611560" y="3501008"/>
+            <a:ext cx="7848872" cy="72008"/>
+          </a:xfrm>
+          <a:prstGeom prst="rect">
+            <a:avLst/>
+          </a:prstGeom>
+        </p:spPr>
+        <p:style>
+          <a:lnRef idx="2">
+            <a:schemeClr val="dk1">
+              <a:shade val="50000"/>
+            </a:schemeClr>
+          </a:lnRef>
+          <a:fillRef idx="1">
+            <a:schemeClr val="dk1"/>
+          </a:fillRef>
+          <a:effectRef idx="0">
+            <a:schemeClr val="dk1"/>
+          </a:effectRef>
+          <a:fontRef idx="minor">
+            <a:schemeClr val="lt1"/>
+          </a:fontRef>
+        </p:style>
+        <p:txBody>
+          <a:bodyPr rtlCol="0" anchor="ctr"/>
+          <a:lstStyle/>
+          <a:p>
+            <a:pPr algn="ctr"/>
+            <a:endParaRPr lang="fr-FR"/>
+          </a:p>
+        </p:txBody>
+      </p:sp>
+      <p:pic>
+        <p:nvPicPr>
+          <p:cNvPr id="2" name="Picture 2" descr="C:\Users\Fitec\Desktop\images_ppt\pacman-151558_960_720.png"/>
+          <p:cNvPicPr>
+            <a:picLocks noChangeAspect="1" noChangeArrowheads="1"/>
+          </p:cNvPicPr>
+          <p:nvPr/>
+        </p:nvPicPr>
+        <p:blipFill>
+          <a:blip r:embed="rId14" cstate="print"/>
+          <a:srcRect r="17318"/>
+          <a:stretch>
+            <a:fillRect/>
+          </a:stretch>
+        </p:blipFill>
+        <p:spPr bwMode="auto">
+          <a:xfrm flipH="1">
+            <a:off x="1907703" y="1772816"/>
+            <a:ext cx="1512168" cy="1767511"/>
+          </a:xfrm>
+          <a:prstGeom prst="rect">
+            <a:avLst/>
+          </a:prstGeom>
+          <a:noFill/>
+        </p:spPr>
+      </p:pic>
+      <p:sp>
+        <p:nvSpPr>
+          <p:cNvPr id="21" name="Rectangle 20"/>
+          <p:cNvSpPr/>
+          <p:nvPr/>
+        </p:nvSpPr>
+        <p:spPr>
+          <a:xfrm>
+            <a:off x="1835696" y="2492896"/>
+            <a:ext cx="576064" cy="288032"/>
+          </a:xfrm>
+          <a:prstGeom prst="rect">
+            <a:avLst/>
+          </a:prstGeom>
+          <a:solidFill>
+            <a:schemeClr val="bg1"/>
+          </a:solidFill>
+          <a:ln>
+            <a:noFill/>
+          </a:ln>
+        </p:spPr>
+        <p:style>
+          <a:lnRef idx="2">
+            <a:schemeClr val="accent1">
+              <a:shade val="50000"/>
+            </a:schemeClr>
+          </a:lnRef>
+          <a:fillRef idx="1">
+            <a:schemeClr val="accent1"/>
+          </a:fillRef>
+          <a:effectRef idx="0">
+            <a:schemeClr val="accent1"/>
+          </a:effectRef>
+          <a:fontRef idx="minor">
+            <a:schemeClr val="lt1"/>
+          </a:fontRef>
+        </p:style>
+        <p:txBody>
+          <a:bodyPr rtlCol="0" anchor="ctr"/>
+          <a:lstStyle/>
+          <a:p>
+            <a:pPr algn="ctr"/>
+            <a:endParaRPr lang="fr-FR"/>
           </a:p>
         </p:txBody>
       </p:sp>
@@ -13435,23 +13542,7 @@
           <a:p>
             <a:r>
               <a:rPr lang="fr-FR" dirty="0" smtClean="0"/>
-              <a:t>Modèle basé sur </a:t>
-            </a:r>
-            <a:r>
-              <a:rPr lang="fr-FR" dirty="0" smtClean="0"/>
-              <a:t>les </a:t>
-            </a:r>
-            <a:r>
-              <a:rPr lang="fr-FR" dirty="0" smtClean="0"/>
-              <a:t>estimations des </a:t>
-            </a:r>
-            <a:r>
-              <a:rPr lang="fr-FR" dirty="0" smtClean="0"/>
-              <a:t>report </a:t>
-            </a:r>
-            <a:r>
-              <a:rPr lang="fr-FR" dirty="0" smtClean="0"/>
-              <a:t>de votes entre le 1</a:t>
+              <a:t>Modèle basé sur les estimations des report de votes entre le 1</a:t>
             </a:r>
             <a:r>
               <a:rPr lang="fr-FR" baseline="30000" dirty="0" smtClean="0"/>
@@ -13467,11 +13558,7 @@
             </a:r>
             <a:r>
               <a:rPr lang="fr-FR" dirty="0" smtClean="0"/>
-              <a:t> tour des </a:t>
-            </a:r>
-            <a:r>
-              <a:rPr lang="fr-FR" dirty="0" smtClean="0"/>
-              <a:t>législatives (sondage).</a:t>
+              <a:t> tour des législatives (sondage).</a:t>
             </a:r>
             <a:endParaRPr lang="fr-FR" dirty="0"/>
           </a:p>
@@ -13511,7 +13598,6 @@
               <a:rPr lang="fr-FR" sz="1600" dirty="0" smtClean="0"/>
               <a:t>candidats présidentiels/nuances politiques</a:t>
             </a:r>
-            <a:endParaRPr lang="fr-FR" sz="1600" dirty="0" smtClean="0"/>
           </a:p>
         </p:txBody>
       </p:sp>
@@ -14818,6 +14904,32 @@
           </a:p>
         </p:txBody>
       </p:sp>
+      <p:pic>
+        <p:nvPicPr>
+          <p:cNvPr id="1026" name="Picture 2" descr="C:\Users\Fitec\Desktop\images_ppt\wiki.jpg"/>
+          <p:cNvPicPr>
+            <a:picLocks noChangeAspect="1" noChangeArrowheads="1"/>
+          </p:cNvPicPr>
+          <p:nvPr/>
+        </p:nvPicPr>
+        <p:blipFill>
+          <a:blip r:embed="rId7" cstate="print"/>
+          <a:srcRect/>
+          <a:stretch>
+            <a:fillRect/>
+          </a:stretch>
+        </p:blipFill>
+        <p:spPr bwMode="auto">
+          <a:xfrm>
+            <a:off x="827584" y="1988840"/>
+            <a:ext cx="983037" cy="1133550"/>
+          </a:xfrm>
+          <a:prstGeom prst="rect">
+            <a:avLst/>
+          </a:prstGeom>
+          <a:noFill/>
+        </p:spPr>
+      </p:pic>
     </p:spTree>
     <p:extLst>
       <p:ext uri="{BB962C8B-B14F-4D97-AF65-F5344CB8AC3E}">
@@ -14909,6 +15021,32 @@
           </a:p>
         </p:txBody>
       </p:sp>
+      <p:pic>
+        <p:nvPicPr>
+          <p:cNvPr id="2050" name="Picture 2" descr="C:\Users\Fitec\Desktop\images_ppt\loadimg.png"/>
+          <p:cNvPicPr>
+            <a:picLocks noChangeAspect="1" noChangeArrowheads="1"/>
+          </p:cNvPicPr>
+          <p:nvPr/>
+        </p:nvPicPr>
+        <p:blipFill>
+          <a:blip r:embed="rId3" cstate="print"/>
+          <a:srcRect/>
+          <a:stretch>
+            <a:fillRect/>
+          </a:stretch>
+        </p:blipFill>
+        <p:spPr bwMode="auto">
+          <a:xfrm>
+            <a:off x="1187624" y="4725144"/>
+            <a:ext cx="1460921" cy="1148112"/>
+          </a:xfrm>
+          <a:prstGeom prst="rect">
+            <a:avLst/>
+          </a:prstGeom>
+          <a:noFill/>
+        </p:spPr>
+      </p:pic>
       <p:sp>
         <p:nvSpPr>
           <p:cNvPr id="30" name="Rectangle : avec coins supérieurs arrondis 27">
@@ -15492,7 +15630,7 @@
             <p:nvPr/>
           </p:nvPicPr>
           <p:blipFill>
-            <a:blip r:embed="rId3" cstate="print"/>
+            <a:blip r:embed="rId4" cstate="print"/>
             <a:srcRect/>
             <a:stretch>
               <a:fillRect/>
@@ -15518,7 +15656,7 @@
             <p:nvPr/>
           </p:nvPicPr>
           <p:blipFill>
-            <a:blip r:embed="rId4" cstate="print"/>
+            <a:blip r:embed="rId5" cstate="print"/>
             <a:srcRect b="10132"/>
             <a:stretch>
               <a:fillRect/>
@@ -15544,7 +15682,7 @@
             <p:nvPr/>
           </p:nvPicPr>
           <p:blipFill>
-            <a:blip r:embed="rId5" cstate="print"/>
+            <a:blip r:embed="rId6" cstate="print"/>
             <a:srcRect/>
             <a:stretch>
               <a:fillRect/>
@@ -15571,7 +15709,7 @@
           <p:nvPr/>
         </p:nvPicPr>
         <p:blipFill>
-          <a:blip r:embed="rId6" cstate="print"/>
+          <a:blip r:embed="rId7" cstate="print"/>
           <a:srcRect/>
           <a:stretch>
             <a:fillRect/>
@@ -15596,7 +15734,7 @@
         </p:nvGrpSpPr>
         <p:grpSpPr>
           <a:xfrm>
-            <a:off x="539552" y="5085184"/>
+            <a:off x="539552" y="5445224"/>
             <a:ext cx="809248" cy="720080"/>
             <a:chOff x="683568" y="3404997"/>
             <a:chExt cx="1097280" cy="960107"/>
@@ -15853,17 +15991,8 @@
           <a:p>
             <a:r>
               <a:rPr lang="fr-FR" dirty="0" smtClean="0"/>
-              <a:t>Modèle basé </a:t>
-            </a:r>
-            <a:r>
-              <a:rPr lang="fr-FR" dirty="0" smtClean="0"/>
-              <a:t>sur un modèle </a:t>
-            </a:r>
-            <a:r>
-              <a:rPr lang="fr-FR" dirty="0" smtClean="0"/>
-              <a:t>d’apprentissage (Machine Learning).</a:t>
-            </a:r>
-            <a:endParaRPr lang="fr-FR" dirty="0" smtClean="0"/>
+              <a:t>Modèle basé sur un modèle d’apprentissage (Machine Learning).</a:t>
+            </a:r>
           </a:p>
         </p:txBody>
       </p:sp>
@@ -15875,7 +16004,7 @@
         </p:nvSpPr>
         <p:spPr>
           <a:xfrm>
-            <a:off x="2339752" y="5313402"/>
+            <a:off x="2483768" y="5313402"/>
             <a:ext cx="2808312" cy="707886"/>
           </a:xfrm>
           <a:prstGeom prst="rect">
@@ -15893,31 +16022,13 @@
               <a:rPr lang="fr-FR" sz="1600" dirty="0" smtClean="0"/>
               <a:t>Les résultats historiques</a:t>
             </a:r>
-            <a:endParaRPr lang="fr-FR" sz="1600" dirty="0" smtClean="0"/>
           </a:p>
           <a:p>
             <a:pPr algn="ctr"/>
             <a:r>
               <a:rPr lang="fr-FR" sz="1200" dirty="0" smtClean="0"/>
-              <a:t>(élections </a:t>
-            </a:r>
-            <a:r>
-              <a:rPr lang="fr-FR" sz="1200" dirty="0" smtClean="0"/>
-              <a:t>présidentielles </a:t>
-            </a:r>
-            <a:r>
-              <a:rPr lang="fr-FR" sz="1200" dirty="0" smtClean="0"/>
-              <a:t>2012/2017; élections </a:t>
-            </a:r>
-            <a:r>
-              <a:rPr lang="fr-FR" sz="1200" dirty="0" smtClean="0"/>
-              <a:t>législatives </a:t>
-            </a:r>
-            <a:r>
-              <a:rPr lang="fr-FR" sz="1200" dirty="0" smtClean="0"/>
-              <a:t>2012)</a:t>
-            </a:r>
-            <a:endParaRPr lang="fr-FR" sz="1200" dirty="0" smtClean="0"/>
+              <a:t>(élections présidentielles 2012/2017; élections législatives 2012)</a:t>
+            </a:r>
           </a:p>
         </p:txBody>
       </p:sp>
@@ -15929,7 +16040,7 @@
         </p:nvSpPr>
         <p:spPr>
           <a:xfrm>
-            <a:off x="2339752" y="3854078"/>
+            <a:off x="2483768" y="3854078"/>
             <a:ext cx="2808312" cy="707886"/>
           </a:xfrm>
           <a:prstGeom prst="rect">
@@ -15945,26 +16056,14 @@
             <a:pPr algn="ctr"/>
             <a:r>
               <a:rPr lang="fr-FR" sz="1600" dirty="0" smtClean="0"/>
-              <a:t>Le profil des </a:t>
-            </a:r>
-            <a:r>
-              <a:rPr lang="fr-FR" sz="1600" dirty="0" smtClean="0"/>
-              <a:t>candidats</a:t>
+              <a:t>Le profil des candidats</a:t>
             </a:r>
           </a:p>
           <a:p>
             <a:pPr algn="ctr"/>
             <a:r>
               <a:rPr lang="fr-FR" sz="1200" dirty="0" smtClean="0"/>
-              <a:t>(Age</a:t>
-            </a:r>
-            <a:r>
-              <a:rPr lang="fr-FR" sz="1200" dirty="0" smtClean="0"/>
-              <a:t>, Sexe, Nuance </a:t>
-            </a:r>
-            <a:r>
-              <a:rPr lang="fr-FR" sz="1200" dirty="0" smtClean="0"/>
-              <a:t>politique,  2</a:t>
+              <a:t>(Age, Sexe, Nuance politique,  2</a:t>
             </a:r>
             <a:r>
               <a:rPr lang="fr-FR" sz="1200" baseline="30000" dirty="0" smtClean="0"/>
@@ -15986,7 +16085,7 @@
         </p:nvSpPr>
         <p:spPr>
           <a:xfrm>
-            <a:off x="2339752" y="4525185"/>
+            <a:off x="2483768" y="4525185"/>
             <a:ext cx="2808312" cy="523220"/>
           </a:xfrm>
           <a:prstGeom prst="rect">
@@ -16002,11 +16101,7 @@
             <a:pPr algn="ctr"/>
             <a:r>
               <a:rPr lang="fr-FR" sz="1600" dirty="0" smtClean="0"/>
-              <a:t>La conjecture </a:t>
-            </a:r>
-            <a:r>
-              <a:rPr lang="fr-FR" sz="1600" dirty="0" smtClean="0"/>
-              <a:t>économique</a:t>
+              <a:t>La conjecture économique</a:t>
             </a:r>
           </a:p>
           <a:p>
@@ -16028,7 +16123,7 @@
           <p:nvPr/>
         </p:nvPicPr>
         <p:blipFill>
-          <a:blip r:embed="rId7" cstate="print"/>
+          <a:blip r:embed="rId8" cstate="print"/>
           <a:srcRect/>
           <a:stretch>
             <a:fillRect/>
@@ -16054,7 +16149,7 @@
           <p:nvPr/>
         </p:nvPicPr>
         <p:blipFill>
-          <a:blip r:embed="rId8" cstate="print"/>
+          <a:blip r:embed="rId9" cstate="print"/>
           <a:srcRect/>
           <a:stretch>
             <a:fillRect/>
@@ -16080,7 +16175,7 @@
           <p:nvPr/>
         </p:nvPicPr>
         <p:blipFill>
-          <a:blip r:embed="rId9" cstate="print"/>
+          <a:blip r:embed="rId10" cstate="print"/>
           <a:srcRect/>
           <a:stretch>
             <a:fillRect/>
@@ -16135,7 +16230,7 @@
         </p:nvSpPr>
         <p:spPr>
           <a:xfrm>
-            <a:off x="2339752" y="5011626"/>
+            <a:off x="2483768" y="5011626"/>
             <a:ext cx="2808312" cy="338554"/>
           </a:xfrm>
           <a:prstGeom prst="rect">
@@ -16209,7 +16304,7 @@
           <p:nvPr/>
         </p:nvPicPr>
         <p:blipFill>
-          <a:blip r:embed="rId10" cstate="print"/>
+          <a:blip r:embed="rId11" cstate="print"/>
           <a:srcRect/>
           <a:stretch>
             <a:fillRect/>
@@ -16232,6 +16327,32 @@
             </a:outerShdw>
             <a:softEdge rad="127000"/>
           </a:effectLst>
+        </p:spPr>
+      </p:pic>
+      <p:pic>
+        <p:nvPicPr>
+          <p:cNvPr id="34" name="Picture 2" descr="C:\Users\Fitec\Desktop\images_ppt\wiki.jpg"/>
+          <p:cNvPicPr>
+            <a:picLocks noChangeAspect="1" noChangeArrowheads="1"/>
+          </p:cNvPicPr>
+          <p:nvPr/>
+        </p:nvPicPr>
+        <p:blipFill>
+          <a:blip r:embed="rId12" cstate="print"/>
+          <a:srcRect/>
+          <a:stretch>
+            <a:fillRect/>
+          </a:stretch>
+        </p:blipFill>
+        <p:spPr bwMode="auto">
+          <a:xfrm>
+            <a:off x="827584" y="1988840"/>
+            <a:ext cx="983037" cy="1133550"/>
+          </a:xfrm>
+          <a:prstGeom prst="rect">
+            <a:avLst/>
+          </a:prstGeom>
+          <a:noFill/>
         </p:spPr>
       </p:pic>
     </p:spTree>
@@ -16271,6 +16392,110 @@
           <a:chExt cx="0" cy="0"/>
         </a:xfrm>
       </p:grpSpPr>
+      <p:pic>
+        <p:nvPicPr>
+          <p:cNvPr id="11" name="Picture 2" descr="C:\Users\Fitec\Desktop\images_ppt\insee_logo.jpg"/>
+          <p:cNvPicPr>
+            <a:picLocks noChangeAspect="1" noChangeArrowheads="1"/>
+          </p:cNvPicPr>
+          <p:nvPr/>
+        </p:nvPicPr>
+        <p:blipFill>
+          <a:blip r:embed="rId2" cstate="print"/>
+          <a:srcRect/>
+          <a:stretch>
+            <a:fillRect/>
+          </a:stretch>
+        </p:blipFill>
+        <p:spPr bwMode="auto">
+          <a:xfrm>
+            <a:off x="6156176" y="1988840"/>
+            <a:ext cx="763577" cy="880740"/>
+          </a:xfrm>
+          <a:prstGeom prst="rect">
+            <a:avLst/>
+          </a:prstGeom>
+          <a:noFill/>
+        </p:spPr>
+      </p:pic>
+      <p:pic>
+        <p:nvPicPr>
+          <p:cNvPr id="13" name="Picture 7" descr="C:\Users\Fitec\Desktop\Instituts-sondagesLogos-Instituts-sondages-300x245.jpg"/>
+          <p:cNvPicPr>
+            <a:picLocks noChangeAspect="1" noChangeArrowheads="1"/>
+          </p:cNvPicPr>
+          <p:nvPr/>
+        </p:nvPicPr>
+        <p:blipFill>
+          <a:blip r:embed="rId3" cstate="print"/>
+          <a:srcRect/>
+          <a:stretch>
+            <a:fillRect/>
+          </a:stretch>
+        </p:blipFill>
+        <p:spPr bwMode="auto">
+          <a:xfrm>
+            <a:off x="4644008" y="1916832"/>
+            <a:ext cx="1245870" cy="1017461"/>
+          </a:xfrm>
+          <a:prstGeom prst="rect">
+            <a:avLst/>
+          </a:prstGeom>
+          <a:noFill/>
+        </p:spPr>
+      </p:pic>
+      <p:pic>
+        <p:nvPicPr>
+          <p:cNvPr id="14" name="Picture 3" descr="C:\Users\Fitec\Desktop\images_ppt\datagouv.jpg"/>
+          <p:cNvPicPr>
+            <a:picLocks noChangeAspect="1" noChangeArrowheads="1"/>
+          </p:cNvPicPr>
+          <p:nvPr/>
+        </p:nvPicPr>
+        <p:blipFill>
+          <a:blip r:embed="rId4" cstate="print"/>
+          <a:srcRect/>
+          <a:stretch>
+            <a:fillRect/>
+          </a:stretch>
+        </p:blipFill>
+        <p:spPr bwMode="auto">
+          <a:xfrm>
+            <a:off x="3707904" y="2132856"/>
+            <a:ext cx="792088" cy="783616"/>
+          </a:xfrm>
+          <a:prstGeom prst="rect">
+            <a:avLst/>
+          </a:prstGeom>
+          <a:noFill/>
+        </p:spPr>
+      </p:pic>
+      <p:pic>
+        <p:nvPicPr>
+          <p:cNvPr id="15" name="Picture 2" descr="C:\Users\Fitec\Desktop\images_ppt\SciencesPO_Appellations_CEVIPOF_RGB-300x129.jpg"/>
+          <p:cNvPicPr>
+            <a:picLocks noChangeAspect="1" noChangeArrowheads="1"/>
+          </p:cNvPicPr>
+          <p:nvPr/>
+        </p:nvPicPr>
+        <p:blipFill>
+          <a:blip r:embed="rId5" cstate="print"/>
+          <a:srcRect/>
+          <a:stretch>
+            <a:fillRect/>
+          </a:stretch>
+        </p:blipFill>
+        <p:spPr bwMode="auto">
+          <a:xfrm>
+            <a:off x="2195736" y="2392337"/>
+            <a:ext cx="1507491" cy="648221"/>
+          </a:xfrm>
+          <a:prstGeom prst="rect">
+            <a:avLst/>
+          </a:prstGeom>
+          <a:noFill/>
+        </p:spPr>
+      </p:pic>
       <p:sp>
         <p:nvSpPr>
           <p:cNvPr id="2" name="Titre 1"/>
@@ -16309,7 +16534,7 @@
           <p:nvPr/>
         </p:nvPicPr>
         <p:blipFill>
-          <a:blip r:embed="rId2" cstate="print">
+          <a:blip r:embed="rId6" cstate="print">
             <a:extLst>
               <a:ext uri="{28A0092B-C50C-407E-A947-70E740481C1C}">
                 <a14:useLocalDpi xmlns:a14="http://schemas.microsoft.com/office/drawing/2010/main" xmlns="" val="0"/>
@@ -16322,7 +16547,7 @@
         </p:blipFill>
         <p:spPr>
           <a:xfrm>
-            <a:off x="5940152" y="1628800"/>
+            <a:off x="7740352" y="1844824"/>
             <a:ext cx="1008112" cy="1008112"/>
           </a:xfrm>
           <a:prstGeom prst="rect">
@@ -16354,99 +16579,8 @@
           <a:p>
             <a:r>
               <a:rPr lang="fr-FR" dirty="0" smtClean="0"/>
-              <a:t>Modèle basé </a:t>
-            </a:r>
-            <a:r>
-              <a:rPr lang="fr-FR" dirty="0" smtClean="0"/>
-              <a:t>sur un modèle </a:t>
-            </a:r>
-            <a:r>
-              <a:rPr lang="fr-FR" dirty="0" smtClean="0"/>
-              <a:t>d’apprentissage (Machine Learning).</a:t>
-            </a:r>
-            <a:endParaRPr lang="fr-FR" dirty="0" smtClean="0"/>
-          </a:p>
-        </p:txBody>
-      </p:sp>
-      <p:pic>
-        <p:nvPicPr>
-          <p:cNvPr id="8" name="Picture 2" descr="C:\Users\Fitec\Desktop\images_ppt\insee_logo.jpg"/>
-          <p:cNvPicPr>
-            <a:picLocks noChangeAspect="1" noChangeArrowheads="1"/>
-          </p:cNvPicPr>
-          <p:nvPr/>
-        </p:nvPicPr>
-        <p:blipFill>
-          <a:blip r:embed="rId3" cstate="print"/>
-          <a:srcRect/>
-          <a:stretch>
-            <a:fillRect/>
-          </a:stretch>
-        </p:blipFill>
-        <p:spPr bwMode="auto">
-          <a:xfrm>
-            <a:off x="3995936" y="1756172"/>
-            <a:ext cx="763577" cy="880740"/>
-          </a:xfrm>
-          <a:prstGeom prst="rect">
-            <a:avLst/>
-          </a:prstGeom>
-          <a:noFill/>
-        </p:spPr>
-      </p:pic>
-      <p:pic>
-        <p:nvPicPr>
-          <p:cNvPr id="9" name="Picture 2" descr="C:\Users\Fitec\Desktop\images_ppt\datagouv.jpg"/>
-          <p:cNvPicPr>
-            <a:picLocks noChangeAspect="1" noChangeArrowheads="1"/>
-          </p:cNvPicPr>
-          <p:nvPr/>
-        </p:nvPicPr>
-        <p:blipFill>
-          <a:blip r:embed="rId4" cstate="print"/>
-          <a:srcRect/>
-          <a:stretch>
-            <a:fillRect/>
-          </a:stretch>
-        </p:blipFill>
-        <p:spPr bwMode="auto">
-          <a:xfrm>
-            <a:off x="3203848" y="1844824"/>
-            <a:ext cx="745015" cy="737047"/>
-          </a:xfrm>
-          <a:prstGeom prst="rect">
-            <a:avLst/>
-          </a:prstGeom>
-          <a:noFill/>
-        </p:spPr>
-      </p:pic>
-      <p:sp>
-        <p:nvSpPr>
-          <p:cNvPr id="10" name="ZoneTexte 9"/>
-          <p:cNvSpPr txBox="1"/>
-          <p:nvPr/>
-        </p:nvSpPr>
-        <p:spPr>
-          <a:xfrm>
-            <a:off x="1691680" y="2060848"/>
-            <a:ext cx="1421992" cy="369332"/>
-          </a:xfrm>
-          <a:prstGeom prst="rect">
-            <a:avLst/>
-          </a:prstGeom>
-          <a:noFill/>
-        </p:spPr>
-        <p:txBody>
-          <a:bodyPr wrap="none" rtlCol="0">
-            <a:spAutoFit/>
-          </a:bodyPr>
-          <a:lstStyle/>
-          <a:p>
-            <a:r>
-              <a:rPr lang="fr-FR" dirty="0" smtClean="0"/>
-              <a:t>Les sources : </a:t>
-            </a:r>
-            <a:endParaRPr lang="fr-FR" dirty="0"/>
+              <a:t>Modèle basé sur un modèle d’apprentissage (Machine Learning).</a:t>
+            </a:r>
           </a:p>
         </p:txBody>
       </p:sp>
@@ -16458,7 +16592,7 @@
         </p:nvSpPr>
         <p:spPr>
           <a:xfrm>
-            <a:off x="5148064" y="1988840"/>
+            <a:off x="7164288" y="2132856"/>
             <a:ext cx="504056" cy="504056"/>
           </a:xfrm>
           <a:prstGeom prst="mathPlus">
@@ -16490,11 +16624,74 @@
           </a:p>
         </p:txBody>
       </p:sp>
+      <p:pic>
+        <p:nvPicPr>
+          <p:cNvPr id="17" name="Picture 2" descr="C:\Users\Fitec\Desktop\images_ppt\wiki.jpg"/>
+          <p:cNvPicPr>
+            <a:picLocks noChangeAspect="1" noChangeArrowheads="1"/>
+          </p:cNvPicPr>
+          <p:nvPr/>
+        </p:nvPicPr>
+        <p:blipFill>
+          <a:blip r:embed="rId7" cstate="print"/>
+          <a:srcRect/>
+          <a:stretch>
+            <a:fillRect/>
+          </a:stretch>
+        </p:blipFill>
+        <p:spPr bwMode="auto">
+          <a:xfrm>
+            <a:off x="827584" y="1988840"/>
+            <a:ext cx="983037" cy="1133550"/>
+          </a:xfrm>
+          <a:prstGeom prst="rect">
+            <a:avLst/>
+          </a:prstGeom>
+          <a:noFill/>
+        </p:spPr>
+      </p:pic>
+      <p:sp>
+        <p:nvSpPr>
+          <p:cNvPr id="18" name="ZoneTexte 17"/>
+          <p:cNvSpPr txBox="1"/>
+          <p:nvPr/>
+        </p:nvSpPr>
+        <p:spPr>
+          <a:xfrm>
+            <a:off x="1853864" y="2051556"/>
+            <a:ext cx="1421992" cy="369332"/>
+          </a:xfrm>
+          <a:prstGeom prst="rect">
+            <a:avLst/>
+          </a:prstGeom>
+          <a:noFill/>
+        </p:spPr>
+        <p:txBody>
+          <a:bodyPr wrap="none" rtlCol="0">
+            <a:spAutoFit/>
+          </a:bodyPr>
+          <a:lstStyle/>
+          <a:p>
+            <a:r>
+              <a:rPr lang="fr-FR" u="sng" dirty="0" smtClean="0"/>
+              <a:t>Les sources : </a:t>
+            </a:r>
+            <a:endParaRPr lang="fr-FR" u="sng" dirty="0"/>
+          </a:p>
+        </p:txBody>
+      </p:sp>
     </p:spTree>
   </p:cSld>
   <p:clrMapOvr>
     <a:masterClrMapping/>
   </p:clrMapOvr>
+  <p:timing>
+    <p:tnLst>
+      <p:par>
+        <p:cTn id="1" dur="indefinite" restart="never" nodeType="tmRoot"/>
+      </p:par>
+    </p:tnLst>
+  </p:timing>
 </p:sld>
 </file>
 
@@ -23232,21 +23429,13 @@
           <a:p>
             <a:r>
               <a:rPr lang="fr-FR" sz="2000" dirty="0" smtClean="0"/>
-              <a:t>BUT : </a:t>
-            </a:r>
-            <a:r>
-              <a:rPr lang="fr-FR" sz="2000" dirty="0" smtClean="0"/>
-              <a:t>Améliorer les prédictions.</a:t>
+              <a:t>BUT : Améliorer les prédictions.</a:t>
             </a:r>
           </a:p>
           <a:p>
             <a:r>
               <a:rPr lang="fr-FR" sz="1400" dirty="0" smtClean="0"/>
-              <a:t>Comprendre </a:t>
-            </a:r>
-            <a:r>
-              <a:rPr lang="fr-FR" sz="1400" dirty="0" smtClean="0"/>
-              <a:t>mieux le vote électoral.</a:t>
+              <a:t>Comprendre mieux le vote électoral.</a:t>
             </a:r>
           </a:p>
           <a:p>
